--- a/레스토랑 예약 프로젝트 발표 최종본.pptx
+++ b/레스토랑 예약 프로젝트 발표 최종본.pptx
@@ -3574,7 +3574,7 @@
         <p:spPr>
           <a:xfrm>
             <a:off x="6013714" y="4252047"/>
-            <a:ext cx="5422602" cy="1200329"/>
+            <a:ext cx="5422602" cy="1754326"/>
           </a:xfrm>
           <a:prstGeom prst="rect">
             <a:avLst/>
@@ -3604,7 +3604,7 @@
                 </a:solidFill>
                 <a:latin typeface="+mj-lt"/>
               </a:rPr>
-              <a:t>조 </a:t>
+              <a:t>조  </a:t>
             </a:r>
             <a:r>
               <a:rPr lang="ko-KR" altLang="en-US" sz="3600" dirty="0" err="1">
@@ -3613,7 +3613,7 @@
                 </a:solidFill>
                 <a:latin typeface="+mj-lt"/>
               </a:rPr>
-              <a:t>송아셀</a:t>
+              <a:t>팀명</a:t>
             </a:r>
             <a:r>
               <a:rPr lang="ko-KR" altLang="en-US" sz="3600" dirty="0">
@@ -3622,7 +3622,28 @@
                 </a:solidFill>
                 <a:latin typeface="+mj-lt"/>
               </a:rPr>
-              <a:t> 박정은</a:t>
+              <a:t> </a:t>
+            </a:r>
+            <a:r>
+              <a:rPr lang="en-US" altLang="ko-KR" sz="3600" dirty="0">
+                <a:solidFill>
+                  <a:schemeClr val="bg1"/>
+                </a:solidFill>
+                <a:latin typeface="+mj-lt"/>
+              </a:rPr>
+              <a:t>: HOTSIX</a:t>
+            </a:r>
+          </a:p>
+          <a:p>
+            <a:pPr algn="r"/>
+            <a:r>
+              <a:rPr lang="ko-KR" altLang="en-US" sz="3600" dirty="0">
+                <a:solidFill>
+                  <a:schemeClr val="bg1"/>
+                </a:solidFill>
+                <a:latin typeface="+mj-lt"/>
+              </a:rPr>
+              <a:t>송아셀 박정은</a:t>
             </a:r>
             <a:endParaRPr lang="en-US" altLang="ko-KR" sz="3600" dirty="0">
               <a:solidFill>
@@ -5918,9 +5939,18 @@
           <a:p>
             <a:pPr algn="ctr"/>
             <a:r>
-              <a:rPr lang="ko-KR" altLang="en-US" dirty="0"/>
+              <a:rPr lang="ko-KR" altLang="en-US" dirty="0" smtClean="0"/>
               <a:t>예약확인</a:t>
             </a:r>
+            <a:r>
+              <a:rPr lang="en-US" altLang="ko-KR" dirty="0" smtClean="0"/>
+              <a:t>/</a:t>
+            </a:r>
+            <a:r>
+              <a:rPr lang="ko-KR" altLang="en-US" dirty="0" smtClean="0"/>
+              <a:t>취소</a:t>
+            </a:r>
+            <a:endParaRPr lang="ko-KR" altLang="en-US" dirty="0"/>
           </a:p>
         </p:txBody>
       </p:sp>
@@ -6031,9 +6061,10 @@
           <a:p>
             <a:pPr algn="ctr"/>
             <a:r>
-              <a:rPr lang="ko-KR" altLang="en-US" dirty="0"/>
+              <a:rPr lang="ko-KR" altLang="en-US" dirty="0" err="1" smtClean="0"/>
               <a:t>예약변경</a:t>
             </a:r>
+            <a:endParaRPr lang="ko-KR" altLang="en-US" dirty="0"/>
           </a:p>
         </p:txBody>
       </p:sp>
@@ -7358,6 +7389,13 @@
                         </a:rPr>
                         <a:t>주차</a:t>
                       </a:r>
+                      <a:r>
+                        <a:rPr lang="en-US" altLang="ko-KR" sz="1800" dirty="0">
+                          <a:latin typeface="맑은 고딕" panose="020B0503020000020004" pitchFamily="50" charset="-127"/>
+                          <a:ea typeface="맑은 고딕" panose="020B0503020000020004" pitchFamily="50" charset="-127"/>
+                        </a:rPr>
+                        <a:t/>
+                      </a:r>
                       <a:br>
                         <a:rPr lang="en-US" altLang="ko-KR" sz="1800" dirty="0">
                           <a:latin typeface="맑은 고딕" panose="020B0503020000020004" pitchFamily="50" charset="-127"/>
@@ -7495,6 +7533,13 @@
                           <a:ea typeface="맑은 고딕" panose="020B0503020000020004" pitchFamily="50" charset="-127"/>
                         </a:rPr>
                         <a:t>주차</a:t>
+                      </a:r>
+                      <a:r>
+                        <a:rPr lang="en-US" altLang="ko-KR" sz="1800" dirty="0">
+                          <a:latin typeface="맑은 고딕" panose="020B0503020000020004" pitchFamily="50" charset="-127"/>
+                          <a:ea typeface="맑은 고딕" panose="020B0503020000020004" pitchFamily="50" charset="-127"/>
+                        </a:rPr>
+                        <a:t/>
                       </a:r>
                       <a:br>
                         <a:rPr lang="en-US" altLang="ko-KR" sz="1800" dirty="0">
@@ -23032,8 +23077,8 @@
         </p:nvSpPr>
         <p:spPr>
           <a:xfrm>
-            <a:off x="5574695" y="3621455"/>
-            <a:ext cx="1954182" cy="215900"/>
+            <a:off x="5073806" y="3632606"/>
+            <a:ext cx="2455072" cy="176061"/>
           </a:xfrm>
           <a:prstGeom prst="rect">
             <a:avLst/>
@@ -23087,8 +23132,8 @@
         </p:nvSpPr>
         <p:spPr>
           <a:xfrm>
-            <a:off x="6551786" y="4152095"/>
-            <a:ext cx="3161491" cy="215900"/>
+            <a:off x="6056865" y="4152095"/>
+            <a:ext cx="3645262" cy="176364"/>
           </a:xfrm>
           <a:prstGeom prst="rect">
             <a:avLst/>
@@ -23143,7 +23188,7 @@
         <p:spPr>
           <a:xfrm>
             <a:off x="7529769" y="4683038"/>
-            <a:ext cx="3161491" cy="215900"/>
+            <a:ext cx="3161491" cy="171227"/>
           </a:xfrm>
           <a:prstGeom prst="rect">
             <a:avLst/>
@@ -23301,7 +23346,7 @@
         </p:nvSpPr>
         <p:spPr>
           <a:xfrm>
-            <a:off x="7789631" y="5184859"/>
+            <a:off x="7778480" y="5173708"/>
             <a:ext cx="470708" cy="171227"/>
           </a:xfrm>
           <a:prstGeom prst="rect">
@@ -23908,7 +23953,7 @@
                 <a:hlinkClick r:id="rId2">
                   <a:extLst>
                     <a:ext uri="{A12FA001-AC4F-418D-AE19-62706E023703}">
-                      <ahyp:hlinkClr xmlns:ahyp="http://schemas.microsoft.com/office/drawing/2018/hyperlinkcolor" val="tx"/>
+                      <ahyp:hlinkClr xmlns:ahyp="http://schemas.microsoft.com/office/drawing/2018/hyperlinkcolor" xmlns="" val="tx"/>
                     </a:ext>
                   </a:extLst>
                 </a:hlinkClick>
@@ -23926,7 +23971,7 @@
                 <a:hlinkClick r:id="rId2">
                   <a:extLst>
                     <a:ext uri="{A12FA001-AC4F-418D-AE19-62706E023703}">
-                      <ahyp:hlinkClr xmlns:ahyp="http://schemas.microsoft.com/office/drawing/2018/hyperlinkcolor" val="tx"/>
+                      <ahyp:hlinkClr xmlns:ahyp="http://schemas.microsoft.com/office/drawing/2018/hyperlinkcolor" xmlns="" val="tx"/>
                     </a:ext>
                   </a:extLst>
                 </a:hlinkClick>
@@ -23947,54 +23992,12 @@
                 <a:hlinkClick r:id="rId2">
                   <a:extLst>
                     <a:ext uri="{A12FA001-AC4F-418D-AE19-62706E023703}">
-                      <ahyp:hlinkClr xmlns:ahyp="http://schemas.microsoft.com/office/drawing/2018/hyperlinkcolor" val="tx"/>
+                      <ahyp:hlinkClr xmlns:ahyp="http://schemas.microsoft.com/office/drawing/2018/hyperlinkcolor" xmlns="" val="tx"/>
                     </a:ext>
                   </a:extLst>
                 </a:hlinkClick>
               </a:rPr>
               <a:t>파빌리온</a:t>
-            </a:r>
-            <a:r>
-              <a:rPr lang="ko-KR" altLang="en-US" sz="3200" b="0" i="0" u="none" strike="noStrike" dirty="0">
-                <a:solidFill>
-                  <a:schemeClr val="tx1">
-                    <a:lumMod val="95000"/>
-                    <a:lumOff val="5000"/>
-                  </a:schemeClr>
-                </a:solidFill>
-                <a:effectLst/>
-                <a:latin typeface="휴먼옛체" panose="02030504000101010101" pitchFamily="18" charset="-127"/>
-                <a:ea typeface="휴먼옛체" panose="02030504000101010101" pitchFamily="18" charset="-127"/>
-              </a:rPr>
-              <a:t> </a:t>
-            </a:r>
-            <a:r>
-              <a:rPr lang="en-US" altLang="ko-KR" sz="3200" b="0" i="0" u="none" strike="noStrike" dirty="0">
-                <a:solidFill>
-                  <a:schemeClr val="tx1">
-                    <a:lumMod val="95000"/>
-                    <a:lumOff val="5000"/>
-                  </a:schemeClr>
-                </a:solidFill>
-                <a:effectLst/>
-                <a:latin typeface="휴먼옛체" panose="02030504000101010101" pitchFamily="18" charset="-127"/>
-                <a:ea typeface="휴먼옛체" panose="02030504000101010101" pitchFamily="18" charset="-127"/>
-              </a:rPr>
-              <a:t>- MAIN</a:t>
-            </a:r>
-            <a:r>
-              <a:rPr lang="ko-KR" altLang="en-US" sz="3200" b="0" i="0" u="none" strike="noStrike" dirty="0">
-                <a:solidFill>
-                  <a:schemeClr val="tx1">
-                    <a:lumMod val="95000"/>
-                    <a:lumOff val="5000"/>
-                  </a:schemeClr>
-                </a:solidFill>
-                <a:effectLst/>
-                <a:latin typeface="휴먼옛체" panose="02030504000101010101" pitchFamily="18" charset="-127"/>
-                <a:ea typeface="휴먼옛체" panose="02030504000101010101" pitchFamily="18" charset="-127"/>
-              </a:rPr>
-              <a:t> </a:t>
             </a:r>
             <a:r>
               <a:rPr lang="en-US" altLang="ko-KR" sz="3200" spc="-300" dirty="0">
@@ -28322,6 +28325,17 @@
           <a:p>
             <a:pPr algn="ctr"/>
             <a:r>
+              <a:rPr lang="en-US" altLang="ko-KR" sz="2000" dirty="0" smtClean="0">
+                <a:solidFill>
+                  <a:schemeClr val="tx1"/>
+                </a:solidFill>
+              </a:rPr>
+              <a:t>MYSQL</a:t>
+            </a:r>
+          </a:p>
+          <a:p>
+            <a:pPr algn="ctr"/>
+            <a:r>
               <a:rPr lang="en-US" altLang="ko-KR" sz="2000" dirty="0">
                 <a:solidFill>
                   <a:schemeClr val="tx1"/>
@@ -28329,17 +28343,11 @@
               </a:rPr>
               <a:t>MYBATIS</a:t>
             </a:r>
-          </a:p>
-          <a:p>
-            <a:pPr algn="ctr"/>
-            <a:r>
-              <a:rPr lang="en-US" altLang="ko-KR" sz="2000" dirty="0">
-                <a:solidFill>
-                  <a:schemeClr val="tx1"/>
-                </a:solidFill>
-              </a:rPr>
-              <a:t>MYSQL</a:t>
-            </a:r>
+            <a:endParaRPr lang="en-US" altLang="ko-KR" sz="2000" dirty="0">
+              <a:solidFill>
+                <a:schemeClr val="tx1"/>
+              </a:solidFill>
+            </a:endParaRPr>
           </a:p>
           <a:p>
             <a:pPr algn="ctr"/>
@@ -28483,7 +28491,7 @@
         <p:spPr>
           <a:xfrm>
             <a:off x="2590339" y="1126356"/>
-            <a:ext cx="2164375" cy="1290674"/>
+            <a:ext cx="3350597" cy="1338828"/>
           </a:xfrm>
           <a:prstGeom prst="rect">
             <a:avLst/>
@@ -28514,8 +28522,17 @@
             </a:pPr>
             <a:r>
               <a:rPr lang="en-US" altLang="ko-KR" dirty="0"/>
-              <a:t>TOOL : IntelliJ</a:t>
-            </a:r>
+              <a:t>TOOL : </a:t>
+            </a:r>
+            <a:r>
+              <a:rPr lang="en-US" altLang="ko-KR" dirty="0"/>
+              <a:t>IntelliJ / Visual </a:t>
+            </a:r>
+            <a:r>
+              <a:rPr lang="en-US" altLang="ko-KR" dirty="0" smtClean="0"/>
+              <a:t>Studio</a:t>
+            </a:r>
+            <a:endParaRPr lang="en-US" altLang="ko-KR" dirty="0"/>
           </a:p>
           <a:p>
             <a:pPr>
@@ -28770,7 +28787,7 @@
         </p:nvSpPr>
         <p:spPr>
           <a:xfrm>
-            <a:off x="2609342" y="2471877"/>
+            <a:off x="2545174" y="2545864"/>
             <a:ext cx="7101652" cy="1200329"/>
           </a:xfrm>
           <a:prstGeom prst="rect">
@@ -28852,8 +28869,8 @@
         </p:nvSpPr>
         <p:spPr>
           <a:xfrm>
-            <a:off x="5308514" y="4130406"/>
-            <a:ext cx="2917243" cy="523220"/>
+            <a:off x="5408261" y="4161183"/>
+            <a:ext cx="2547019" cy="523220"/>
           </a:xfrm>
           <a:prstGeom prst="rect">
             <a:avLst/>
@@ -28891,7 +28908,7 @@
         </p:nvSpPr>
         <p:spPr>
           <a:xfrm>
-            <a:off x="5432475" y="4722621"/>
+            <a:off x="5553038" y="4669704"/>
             <a:ext cx="2178802" cy="523220"/>
           </a:xfrm>
           <a:prstGeom prst="rect">
@@ -28930,8 +28947,8 @@
         </p:nvSpPr>
         <p:spPr>
           <a:xfrm>
-            <a:off x="5183207" y="5269360"/>
-            <a:ext cx="3167855" cy="523220"/>
+            <a:off x="5408262" y="5178225"/>
+            <a:ext cx="2630146" cy="523220"/>
           </a:xfrm>
           <a:prstGeom prst="rect">
             <a:avLst/>
@@ -28952,6 +28969,51 @@
               </a:rPr>
               <a:t>관리자  기능 설계</a:t>
             </a:r>
+          </a:p>
+        </p:txBody>
+      </p:sp>
+      <p:sp>
+        <p:nvSpPr>
+          <p:cNvPr id="18" name="TextBox 17">
+            <a:extLst>
+              <a:ext uri="{FF2B5EF4-FFF2-40B4-BE49-F238E27FC236}">
+                <a16:creationId xmlns:a16="http://schemas.microsoft.com/office/drawing/2014/main" id="{2756DEF7-D4D9-BF24-7B45-DA7E428893F5}"/>
+              </a:ext>
+            </a:extLst>
+          </p:cNvPr>
+          <p:cNvSpPr txBox="1"/>
+          <p:nvPr/>
+        </p:nvSpPr>
+        <p:spPr>
+          <a:xfrm>
+            <a:off x="5408262" y="5672047"/>
+            <a:ext cx="2630146" cy="523220"/>
+          </a:xfrm>
+          <a:prstGeom prst="rect">
+            <a:avLst/>
+          </a:prstGeom>
+          <a:noFill/>
+        </p:spPr>
+        <p:txBody>
+          <a:bodyPr wrap="square" rtlCol="0">
+            <a:spAutoFit/>
+          </a:bodyPr>
+          <a:lstStyle/>
+          <a:p>
+            <a:pPr algn="ctr"/>
+            <a:r>
+              <a:rPr lang="en-US" altLang="ko-KR" sz="2800" spc="-300" dirty="0" smtClean="0">
+                <a:latin typeface="함초롬바탕" panose="02030604000101010101" pitchFamily="18" charset="-127"/>
+                <a:ea typeface="함초롬바탕" panose="02030604000101010101" pitchFamily="18" charset="-127"/>
+                <a:cs typeface="함초롬바탕" panose="02030604000101010101" pitchFamily="18" charset="-127"/>
+              </a:rPr>
+              <a:t>ERD</a:t>
+            </a:r>
+            <a:endParaRPr lang="ko-KR" altLang="en-US" sz="2800" spc="-300" dirty="0">
+              <a:latin typeface="함초롬바탕" panose="02030604000101010101" pitchFamily="18" charset="-127"/>
+              <a:ea typeface="함초롬바탕" panose="02030604000101010101" pitchFamily="18" charset="-127"/>
+              <a:cs typeface="함초롬바탕" panose="02030604000101010101" pitchFamily="18" charset="-127"/>
+            </a:endParaRPr>
           </a:p>
         </p:txBody>
       </p:sp>
